--- a/ppt 16-9/1208.世福无常.pptx
+++ b/ppt 16-9/1208.世福无常.pptx
@@ -129,7 +129,7 @@
           <p:cNvPr id="2" name="标题 1">
             <a:extLst>
               <a:ext uri="{FF2B5EF4-FFF2-40B4-BE49-F238E27FC236}">
-                <a16:creationId xmlns:a16="http://schemas.microsoft.com/office/drawing/2014/main" id="{7CB4874F-69A7-9B3E-0467-0F92C74A55D1}"/>
+                <a16:creationId xmlns:a16="http://schemas.microsoft.com/office/drawing/2014/main" id="{63792D24-0F8F-CC45-F7E9-EAEE9681FD5F}"/>
               </a:ext>
             </a:extLst>
           </p:cNvPr>
@@ -166,7 +166,7 @@
           <p:cNvPr id="3" name="副标题 2">
             <a:extLst>
               <a:ext uri="{FF2B5EF4-FFF2-40B4-BE49-F238E27FC236}">
-                <a16:creationId xmlns:a16="http://schemas.microsoft.com/office/drawing/2014/main" id="{8A0BC096-B2F9-72C6-04E2-B23EC8A98378}"/>
+                <a16:creationId xmlns:a16="http://schemas.microsoft.com/office/drawing/2014/main" id="{DAB400F5-0EEF-E035-86E6-940C5E75B767}"/>
               </a:ext>
             </a:extLst>
           </p:cNvPr>
@@ -236,7 +236,7 @@
           <p:cNvPr id="4" name="日期占位符 3">
             <a:extLst>
               <a:ext uri="{FF2B5EF4-FFF2-40B4-BE49-F238E27FC236}">
-                <a16:creationId xmlns:a16="http://schemas.microsoft.com/office/drawing/2014/main" id="{F2828F1A-08D2-29B9-4D03-F68BC7ED3A7A}"/>
+                <a16:creationId xmlns:a16="http://schemas.microsoft.com/office/drawing/2014/main" id="{DAF429C5-1E86-44FD-8599-FF2C2F672C68}"/>
               </a:ext>
             </a:extLst>
           </p:cNvPr>
@@ -252,7 +252,7 @@
           <a:bodyPr/>
           <a:lstStyle/>
           <a:p>
-            <a:fld id="{39B56632-F758-4660-9DAE-187A917134A9}" type="datetimeFigureOut">
+            <a:fld id="{645898AA-5935-4B25-9524-8DF76BD49B91}" type="datetimeFigureOut">
               <a:rPr lang="zh-CN" altLang="en-US" smtClean="0"/>
               <a:t>2024/3/10</a:t>
             </a:fld>
@@ -265,7 +265,7 @@
           <p:cNvPr id="5" name="页脚占位符 4">
             <a:extLst>
               <a:ext uri="{FF2B5EF4-FFF2-40B4-BE49-F238E27FC236}">
-                <a16:creationId xmlns:a16="http://schemas.microsoft.com/office/drawing/2014/main" id="{A9E4E4D6-744E-8901-6083-60F030E7F960}"/>
+                <a16:creationId xmlns:a16="http://schemas.microsoft.com/office/drawing/2014/main" id="{7248E4F2-0BC2-4AD3-34AC-F635E9DF3469}"/>
               </a:ext>
             </a:extLst>
           </p:cNvPr>
@@ -290,7 +290,7 @@
           <p:cNvPr id="6" name="灯片编号占位符 5">
             <a:extLst>
               <a:ext uri="{FF2B5EF4-FFF2-40B4-BE49-F238E27FC236}">
-                <a16:creationId xmlns:a16="http://schemas.microsoft.com/office/drawing/2014/main" id="{45256F34-6792-580E-B3C3-F57108C7158D}"/>
+                <a16:creationId xmlns:a16="http://schemas.microsoft.com/office/drawing/2014/main" id="{52E9D016-8BE4-5BCD-6197-27774DA23A77}"/>
               </a:ext>
             </a:extLst>
           </p:cNvPr>
@@ -306,7 +306,7 @@
           <a:bodyPr/>
           <a:lstStyle/>
           <a:p>
-            <a:fld id="{D1648288-8C69-4E2F-B3CB-0B75308530EA}" type="slidenum">
+            <a:fld id="{81DB737E-30F2-4321-9E76-E19B15A36DE4}" type="slidenum">
               <a:rPr lang="zh-CN" altLang="en-US" smtClean="0"/>
               <a:t>‹#›</a:t>
             </a:fld>
@@ -317,7 +317,7 @@
     </p:spTree>
     <p:extLst>
       <p:ext uri="{BB962C8B-B14F-4D97-AF65-F5344CB8AC3E}">
-        <p14:creationId xmlns:p14="http://schemas.microsoft.com/office/powerpoint/2010/main" val="2355458702"/>
+        <p14:creationId xmlns:p14="http://schemas.microsoft.com/office/powerpoint/2010/main" val="1092484180"/>
       </p:ext>
     </p:extLst>
   </p:cSld>
@@ -349,7 +349,7 @@
           <p:cNvPr id="2" name="标题 1">
             <a:extLst>
               <a:ext uri="{FF2B5EF4-FFF2-40B4-BE49-F238E27FC236}">
-                <a16:creationId xmlns:a16="http://schemas.microsoft.com/office/drawing/2014/main" id="{0F284984-A2EC-9899-05C2-D0C7FE4F5C54}"/>
+                <a16:creationId xmlns:a16="http://schemas.microsoft.com/office/drawing/2014/main" id="{8A5BCDD7-7618-EFBD-E066-2428D8481620}"/>
               </a:ext>
             </a:extLst>
           </p:cNvPr>
@@ -377,7 +377,7 @@
           <p:cNvPr id="3" name="竖排文字占位符 2">
             <a:extLst>
               <a:ext uri="{FF2B5EF4-FFF2-40B4-BE49-F238E27FC236}">
-                <a16:creationId xmlns:a16="http://schemas.microsoft.com/office/drawing/2014/main" id="{D1635A2F-BF22-4165-F81B-881298C80039}"/>
+                <a16:creationId xmlns:a16="http://schemas.microsoft.com/office/drawing/2014/main" id="{D5811438-CEBA-4B5D-12DD-664C47981407}"/>
               </a:ext>
             </a:extLst>
           </p:cNvPr>
@@ -434,7 +434,7 @@
           <p:cNvPr id="4" name="日期占位符 3">
             <a:extLst>
               <a:ext uri="{FF2B5EF4-FFF2-40B4-BE49-F238E27FC236}">
-                <a16:creationId xmlns:a16="http://schemas.microsoft.com/office/drawing/2014/main" id="{6AF65429-499C-CC86-6D26-D4E49D693F57}"/>
+                <a16:creationId xmlns:a16="http://schemas.microsoft.com/office/drawing/2014/main" id="{26086FCC-AC9E-955D-4A63-28B9F2404449}"/>
               </a:ext>
             </a:extLst>
           </p:cNvPr>
@@ -450,7 +450,7 @@
           <a:bodyPr/>
           <a:lstStyle/>
           <a:p>
-            <a:fld id="{39B56632-F758-4660-9DAE-187A917134A9}" type="datetimeFigureOut">
+            <a:fld id="{645898AA-5935-4B25-9524-8DF76BD49B91}" type="datetimeFigureOut">
               <a:rPr lang="zh-CN" altLang="en-US" smtClean="0"/>
               <a:t>2024/3/10</a:t>
             </a:fld>
@@ -463,7 +463,7 @@
           <p:cNvPr id="5" name="页脚占位符 4">
             <a:extLst>
               <a:ext uri="{FF2B5EF4-FFF2-40B4-BE49-F238E27FC236}">
-                <a16:creationId xmlns:a16="http://schemas.microsoft.com/office/drawing/2014/main" id="{A4E02F67-BD7A-C436-39AD-F7BD22DCD616}"/>
+                <a16:creationId xmlns:a16="http://schemas.microsoft.com/office/drawing/2014/main" id="{9311FAEF-8047-91DD-FD1A-0DD9D41BEFBC}"/>
               </a:ext>
             </a:extLst>
           </p:cNvPr>
@@ -488,7 +488,7 @@
           <p:cNvPr id="6" name="灯片编号占位符 5">
             <a:extLst>
               <a:ext uri="{FF2B5EF4-FFF2-40B4-BE49-F238E27FC236}">
-                <a16:creationId xmlns:a16="http://schemas.microsoft.com/office/drawing/2014/main" id="{32B43EC8-5A95-3826-3C53-32B8F8622730}"/>
+                <a16:creationId xmlns:a16="http://schemas.microsoft.com/office/drawing/2014/main" id="{BB8F4D07-3B72-61E4-D27D-E32A187F3115}"/>
               </a:ext>
             </a:extLst>
           </p:cNvPr>
@@ -504,7 +504,7 @@
           <a:bodyPr/>
           <a:lstStyle/>
           <a:p>
-            <a:fld id="{D1648288-8C69-4E2F-B3CB-0B75308530EA}" type="slidenum">
+            <a:fld id="{81DB737E-30F2-4321-9E76-E19B15A36DE4}" type="slidenum">
               <a:rPr lang="zh-CN" altLang="en-US" smtClean="0"/>
               <a:t>‹#›</a:t>
             </a:fld>
@@ -515,7 +515,7 @@
     </p:spTree>
     <p:extLst>
       <p:ext uri="{BB962C8B-B14F-4D97-AF65-F5344CB8AC3E}">
-        <p14:creationId xmlns:p14="http://schemas.microsoft.com/office/powerpoint/2010/main" val="1480604970"/>
+        <p14:creationId xmlns:p14="http://schemas.microsoft.com/office/powerpoint/2010/main" val="1412007079"/>
       </p:ext>
     </p:extLst>
   </p:cSld>
@@ -547,7 +547,7 @@
           <p:cNvPr id="2" name="竖排标题 1">
             <a:extLst>
               <a:ext uri="{FF2B5EF4-FFF2-40B4-BE49-F238E27FC236}">
-                <a16:creationId xmlns:a16="http://schemas.microsoft.com/office/drawing/2014/main" id="{5778CA07-4BF0-D7BC-C142-00CDA91E6278}"/>
+                <a16:creationId xmlns:a16="http://schemas.microsoft.com/office/drawing/2014/main" id="{9DB1A3EE-6FFA-C6BC-96A3-7F419D041277}"/>
               </a:ext>
             </a:extLst>
           </p:cNvPr>
@@ -580,7 +580,7 @@
           <p:cNvPr id="3" name="竖排文字占位符 2">
             <a:extLst>
               <a:ext uri="{FF2B5EF4-FFF2-40B4-BE49-F238E27FC236}">
-                <a16:creationId xmlns:a16="http://schemas.microsoft.com/office/drawing/2014/main" id="{2E84EA89-8ACB-9E27-DC86-F5654A1122C6}"/>
+                <a16:creationId xmlns:a16="http://schemas.microsoft.com/office/drawing/2014/main" id="{14933DE9-562E-F788-D471-E8F5B93FA715}"/>
               </a:ext>
             </a:extLst>
           </p:cNvPr>
@@ -642,7 +642,7 @@
           <p:cNvPr id="4" name="日期占位符 3">
             <a:extLst>
               <a:ext uri="{FF2B5EF4-FFF2-40B4-BE49-F238E27FC236}">
-                <a16:creationId xmlns:a16="http://schemas.microsoft.com/office/drawing/2014/main" id="{52E2E7A6-4F0C-4B1F-C50B-FC5D4EBFEC06}"/>
+                <a16:creationId xmlns:a16="http://schemas.microsoft.com/office/drawing/2014/main" id="{1090EC80-1B2D-DD28-BF0A-3A3FB02AE0A4}"/>
               </a:ext>
             </a:extLst>
           </p:cNvPr>
@@ -658,7 +658,7 @@
           <a:bodyPr/>
           <a:lstStyle/>
           <a:p>
-            <a:fld id="{39B56632-F758-4660-9DAE-187A917134A9}" type="datetimeFigureOut">
+            <a:fld id="{645898AA-5935-4B25-9524-8DF76BD49B91}" type="datetimeFigureOut">
               <a:rPr lang="zh-CN" altLang="en-US" smtClean="0"/>
               <a:t>2024/3/10</a:t>
             </a:fld>
@@ -671,7 +671,7 @@
           <p:cNvPr id="5" name="页脚占位符 4">
             <a:extLst>
               <a:ext uri="{FF2B5EF4-FFF2-40B4-BE49-F238E27FC236}">
-                <a16:creationId xmlns:a16="http://schemas.microsoft.com/office/drawing/2014/main" id="{B71C664E-010B-2775-745C-AED14F07EC8B}"/>
+                <a16:creationId xmlns:a16="http://schemas.microsoft.com/office/drawing/2014/main" id="{0D02E414-9882-9448-2389-28C0F7DA1DB7}"/>
               </a:ext>
             </a:extLst>
           </p:cNvPr>
@@ -696,7 +696,7 @@
           <p:cNvPr id="6" name="灯片编号占位符 5">
             <a:extLst>
               <a:ext uri="{FF2B5EF4-FFF2-40B4-BE49-F238E27FC236}">
-                <a16:creationId xmlns:a16="http://schemas.microsoft.com/office/drawing/2014/main" id="{24785982-B0EB-2B5C-8268-27651F2D91D4}"/>
+                <a16:creationId xmlns:a16="http://schemas.microsoft.com/office/drawing/2014/main" id="{831741DC-90BD-9677-4F19-EA5EFDD62FDB}"/>
               </a:ext>
             </a:extLst>
           </p:cNvPr>
@@ -712,7 +712,7 @@
           <a:bodyPr/>
           <a:lstStyle/>
           <a:p>
-            <a:fld id="{D1648288-8C69-4E2F-B3CB-0B75308530EA}" type="slidenum">
+            <a:fld id="{81DB737E-30F2-4321-9E76-E19B15A36DE4}" type="slidenum">
               <a:rPr lang="zh-CN" altLang="en-US" smtClean="0"/>
               <a:t>‹#›</a:t>
             </a:fld>
@@ -723,7 +723,7 @@
     </p:spTree>
     <p:extLst>
       <p:ext uri="{BB962C8B-B14F-4D97-AF65-F5344CB8AC3E}">
-        <p14:creationId xmlns:p14="http://schemas.microsoft.com/office/powerpoint/2010/main" val="3940367801"/>
+        <p14:creationId xmlns:p14="http://schemas.microsoft.com/office/powerpoint/2010/main" val="1809369292"/>
       </p:ext>
     </p:extLst>
   </p:cSld>
@@ -755,7 +755,7 @@
           <p:cNvPr id="2" name="标题 1">
             <a:extLst>
               <a:ext uri="{FF2B5EF4-FFF2-40B4-BE49-F238E27FC236}">
-                <a16:creationId xmlns:a16="http://schemas.microsoft.com/office/drawing/2014/main" id="{5F3B0A34-7589-9737-A0A1-D8A68A27871C}"/>
+                <a16:creationId xmlns:a16="http://schemas.microsoft.com/office/drawing/2014/main" id="{619E53E2-2BB9-A6C2-3617-81846C58310F}"/>
               </a:ext>
             </a:extLst>
           </p:cNvPr>
@@ -783,7 +783,7 @@
           <p:cNvPr id="3" name="内容占位符 2">
             <a:extLst>
               <a:ext uri="{FF2B5EF4-FFF2-40B4-BE49-F238E27FC236}">
-                <a16:creationId xmlns:a16="http://schemas.microsoft.com/office/drawing/2014/main" id="{E75C56AA-2DF1-B56C-9A49-A330FBBA8D1B}"/>
+                <a16:creationId xmlns:a16="http://schemas.microsoft.com/office/drawing/2014/main" id="{11FF90E1-251C-588D-D655-029884771351}"/>
               </a:ext>
             </a:extLst>
           </p:cNvPr>
@@ -840,7 +840,7 @@
           <p:cNvPr id="4" name="日期占位符 3">
             <a:extLst>
               <a:ext uri="{FF2B5EF4-FFF2-40B4-BE49-F238E27FC236}">
-                <a16:creationId xmlns:a16="http://schemas.microsoft.com/office/drawing/2014/main" id="{28D3E21A-495D-8DF0-B57C-4CAF4E8D5091}"/>
+                <a16:creationId xmlns:a16="http://schemas.microsoft.com/office/drawing/2014/main" id="{E6FAD0BC-BB0D-413D-A204-2007049866FB}"/>
               </a:ext>
             </a:extLst>
           </p:cNvPr>
@@ -856,7 +856,7 @@
           <a:bodyPr/>
           <a:lstStyle/>
           <a:p>
-            <a:fld id="{39B56632-F758-4660-9DAE-187A917134A9}" type="datetimeFigureOut">
+            <a:fld id="{645898AA-5935-4B25-9524-8DF76BD49B91}" type="datetimeFigureOut">
               <a:rPr lang="zh-CN" altLang="en-US" smtClean="0"/>
               <a:t>2024/3/10</a:t>
             </a:fld>
@@ -869,7 +869,7 @@
           <p:cNvPr id="5" name="页脚占位符 4">
             <a:extLst>
               <a:ext uri="{FF2B5EF4-FFF2-40B4-BE49-F238E27FC236}">
-                <a16:creationId xmlns:a16="http://schemas.microsoft.com/office/drawing/2014/main" id="{9216E377-7D9E-8222-411C-5DFBB30241F5}"/>
+                <a16:creationId xmlns:a16="http://schemas.microsoft.com/office/drawing/2014/main" id="{D2881EAF-6E56-9605-3A05-7942491E963F}"/>
               </a:ext>
             </a:extLst>
           </p:cNvPr>
@@ -894,7 +894,7 @@
           <p:cNvPr id="6" name="灯片编号占位符 5">
             <a:extLst>
               <a:ext uri="{FF2B5EF4-FFF2-40B4-BE49-F238E27FC236}">
-                <a16:creationId xmlns:a16="http://schemas.microsoft.com/office/drawing/2014/main" id="{6FB386E2-B5B2-24C2-2EF6-258319B11ED7}"/>
+                <a16:creationId xmlns:a16="http://schemas.microsoft.com/office/drawing/2014/main" id="{E20F09C6-3BEB-ED42-15CF-6942F6CACC4B}"/>
               </a:ext>
             </a:extLst>
           </p:cNvPr>
@@ -910,7 +910,7 @@
           <a:bodyPr/>
           <a:lstStyle/>
           <a:p>
-            <a:fld id="{D1648288-8C69-4E2F-B3CB-0B75308530EA}" type="slidenum">
+            <a:fld id="{81DB737E-30F2-4321-9E76-E19B15A36DE4}" type="slidenum">
               <a:rPr lang="zh-CN" altLang="en-US" smtClean="0"/>
               <a:t>‹#›</a:t>
             </a:fld>
@@ -921,7 +921,7 @@
     </p:spTree>
     <p:extLst>
       <p:ext uri="{BB962C8B-B14F-4D97-AF65-F5344CB8AC3E}">
-        <p14:creationId xmlns:p14="http://schemas.microsoft.com/office/powerpoint/2010/main" val="3100687180"/>
+        <p14:creationId xmlns:p14="http://schemas.microsoft.com/office/powerpoint/2010/main" val="2628489842"/>
       </p:ext>
     </p:extLst>
   </p:cSld>
@@ -953,7 +953,7 @@
           <p:cNvPr id="2" name="标题 1">
             <a:extLst>
               <a:ext uri="{FF2B5EF4-FFF2-40B4-BE49-F238E27FC236}">
-                <a16:creationId xmlns:a16="http://schemas.microsoft.com/office/drawing/2014/main" id="{16059C9A-7922-C61D-D44C-7E1DA4CA82D8}"/>
+                <a16:creationId xmlns:a16="http://schemas.microsoft.com/office/drawing/2014/main" id="{7A014757-CA92-5830-FB83-233574E4F4E0}"/>
               </a:ext>
             </a:extLst>
           </p:cNvPr>
@@ -990,7 +990,7 @@
           <p:cNvPr id="3" name="文本占位符 2">
             <a:extLst>
               <a:ext uri="{FF2B5EF4-FFF2-40B4-BE49-F238E27FC236}">
-                <a16:creationId xmlns:a16="http://schemas.microsoft.com/office/drawing/2014/main" id="{CDC06A6C-7EF8-7687-6922-565C095E1C4D}"/>
+                <a16:creationId xmlns:a16="http://schemas.microsoft.com/office/drawing/2014/main" id="{5459D22F-D099-044B-496F-BB40BC3CE72F}"/>
               </a:ext>
             </a:extLst>
           </p:cNvPr>
@@ -1115,7 +1115,7 @@
           <p:cNvPr id="4" name="日期占位符 3">
             <a:extLst>
               <a:ext uri="{FF2B5EF4-FFF2-40B4-BE49-F238E27FC236}">
-                <a16:creationId xmlns:a16="http://schemas.microsoft.com/office/drawing/2014/main" id="{CEE6FD87-72AF-B31E-030F-EFE1A3B34C5D}"/>
+                <a16:creationId xmlns:a16="http://schemas.microsoft.com/office/drawing/2014/main" id="{955DA42B-CDAC-485C-8B78-F14097D075AE}"/>
               </a:ext>
             </a:extLst>
           </p:cNvPr>
@@ -1131,7 +1131,7 @@
           <a:bodyPr/>
           <a:lstStyle/>
           <a:p>
-            <a:fld id="{39B56632-F758-4660-9DAE-187A917134A9}" type="datetimeFigureOut">
+            <a:fld id="{645898AA-5935-4B25-9524-8DF76BD49B91}" type="datetimeFigureOut">
               <a:rPr lang="zh-CN" altLang="en-US" smtClean="0"/>
               <a:t>2024/3/10</a:t>
             </a:fld>
@@ -1144,7 +1144,7 @@
           <p:cNvPr id="5" name="页脚占位符 4">
             <a:extLst>
               <a:ext uri="{FF2B5EF4-FFF2-40B4-BE49-F238E27FC236}">
-                <a16:creationId xmlns:a16="http://schemas.microsoft.com/office/drawing/2014/main" id="{49C1AAAE-E7B4-202F-3712-4E0F11DD3E0F}"/>
+                <a16:creationId xmlns:a16="http://schemas.microsoft.com/office/drawing/2014/main" id="{1BE01518-6785-859D-28FF-42058783549E}"/>
               </a:ext>
             </a:extLst>
           </p:cNvPr>
@@ -1169,7 +1169,7 @@
           <p:cNvPr id="6" name="灯片编号占位符 5">
             <a:extLst>
               <a:ext uri="{FF2B5EF4-FFF2-40B4-BE49-F238E27FC236}">
-                <a16:creationId xmlns:a16="http://schemas.microsoft.com/office/drawing/2014/main" id="{1581061B-60B4-31B7-916D-9A6570F49941}"/>
+                <a16:creationId xmlns:a16="http://schemas.microsoft.com/office/drawing/2014/main" id="{FC89195E-D14B-76B0-37C4-56389FDF0AFB}"/>
               </a:ext>
             </a:extLst>
           </p:cNvPr>
@@ -1185,7 +1185,7 @@
           <a:bodyPr/>
           <a:lstStyle/>
           <a:p>
-            <a:fld id="{D1648288-8C69-4E2F-B3CB-0B75308530EA}" type="slidenum">
+            <a:fld id="{81DB737E-30F2-4321-9E76-E19B15A36DE4}" type="slidenum">
               <a:rPr lang="zh-CN" altLang="en-US" smtClean="0"/>
               <a:t>‹#›</a:t>
             </a:fld>
@@ -1196,7 +1196,7 @@
     </p:spTree>
     <p:extLst>
       <p:ext uri="{BB962C8B-B14F-4D97-AF65-F5344CB8AC3E}">
-        <p14:creationId xmlns:p14="http://schemas.microsoft.com/office/powerpoint/2010/main" val="77002547"/>
+        <p14:creationId xmlns:p14="http://schemas.microsoft.com/office/powerpoint/2010/main" val="2822524187"/>
       </p:ext>
     </p:extLst>
   </p:cSld>
@@ -1228,7 +1228,7 @@
           <p:cNvPr id="2" name="标题 1">
             <a:extLst>
               <a:ext uri="{FF2B5EF4-FFF2-40B4-BE49-F238E27FC236}">
-                <a16:creationId xmlns:a16="http://schemas.microsoft.com/office/drawing/2014/main" id="{A963E876-CC45-F6E3-8D73-5ECD0B42C211}"/>
+                <a16:creationId xmlns:a16="http://schemas.microsoft.com/office/drawing/2014/main" id="{DF790394-A2F0-B51E-FFE4-F089D82DFC8A}"/>
               </a:ext>
             </a:extLst>
           </p:cNvPr>
@@ -1256,7 +1256,7 @@
           <p:cNvPr id="3" name="内容占位符 2">
             <a:extLst>
               <a:ext uri="{FF2B5EF4-FFF2-40B4-BE49-F238E27FC236}">
-                <a16:creationId xmlns:a16="http://schemas.microsoft.com/office/drawing/2014/main" id="{E2C9BFAE-E308-B02D-03FF-DC1FBC48BC74}"/>
+                <a16:creationId xmlns:a16="http://schemas.microsoft.com/office/drawing/2014/main" id="{F55EA041-01E3-DB46-AE98-CAC080971289}"/>
               </a:ext>
             </a:extLst>
           </p:cNvPr>
@@ -1318,7 +1318,7 @@
           <p:cNvPr id="4" name="内容占位符 3">
             <a:extLst>
               <a:ext uri="{FF2B5EF4-FFF2-40B4-BE49-F238E27FC236}">
-                <a16:creationId xmlns:a16="http://schemas.microsoft.com/office/drawing/2014/main" id="{21086C90-23D7-7AC0-45FA-3656B20F99E6}"/>
+                <a16:creationId xmlns:a16="http://schemas.microsoft.com/office/drawing/2014/main" id="{48EB7431-E697-9369-3D33-5693080B5979}"/>
               </a:ext>
             </a:extLst>
           </p:cNvPr>
@@ -1380,7 +1380,7 @@
           <p:cNvPr id="5" name="日期占位符 4">
             <a:extLst>
               <a:ext uri="{FF2B5EF4-FFF2-40B4-BE49-F238E27FC236}">
-                <a16:creationId xmlns:a16="http://schemas.microsoft.com/office/drawing/2014/main" id="{F7E12BAA-1C15-A3D0-4F2F-9722C12A9988}"/>
+                <a16:creationId xmlns:a16="http://schemas.microsoft.com/office/drawing/2014/main" id="{4C82FCA1-EA73-187D-FA30-5E9385D3CC3D}"/>
               </a:ext>
             </a:extLst>
           </p:cNvPr>
@@ -1396,7 +1396,7 @@
           <a:bodyPr/>
           <a:lstStyle/>
           <a:p>
-            <a:fld id="{39B56632-F758-4660-9DAE-187A917134A9}" type="datetimeFigureOut">
+            <a:fld id="{645898AA-5935-4B25-9524-8DF76BD49B91}" type="datetimeFigureOut">
               <a:rPr lang="zh-CN" altLang="en-US" smtClean="0"/>
               <a:t>2024/3/10</a:t>
             </a:fld>
@@ -1409,7 +1409,7 @@
           <p:cNvPr id="6" name="页脚占位符 5">
             <a:extLst>
               <a:ext uri="{FF2B5EF4-FFF2-40B4-BE49-F238E27FC236}">
-                <a16:creationId xmlns:a16="http://schemas.microsoft.com/office/drawing/2014/main" id="{4A6A728C-0930-5789-D697-8DC9E5EC3306}"/>
+                <a16:creationId xmlns:a16="http://schemas.microsoft.com/office/drawing/2014/main" id="{E99CFF11-2776-8F46-76F4-0E704424480A}"/>
               </a:ext>
             </a:extLst>
           </p:cNvPr>
@@ -1434,7 +1434,7 @@
           <p:cNvPr id="7" name="灯片编号占位符 6">
             <a:extLst>
               <a:ext uri="{FF2B5EF4-FFF2-40B4-BE49-F238E27FC236}">
-                <a16:creationId xmlns:a16="http://schemas.microsoft.com/office/drawing/2014/main" id="{60282EF9-FDD5-0253-176B-7E717E574A8F}"/>
+                <a16:creationId xmlns:a16="http://schemas.microsoft.com/office/drawing/2014/main" id="{6D9C8F9A-A2F9-3FEE-3DF8-79DDF6F7CA81}"/>
               </a:ext>
             </a:extLst>
           </p:cNvPr>
@@ -1450,7 +1450,7 @@
           <a:bodyPr/>
           <a:lstStyle/>
           <a:p>
-            <a:fld id="{D1648288-8C69-4E2F-B3CB-0B75308530EA}" type="slidenum">
+            <a:fld id="{81DB737E-30F2-4321-9E76-E19B15A36DE4}" type="slidenum">
               <a:rPr lang="zh-CN" altLang="en-US" smtClean="0"/>
               <a:t>‹#›</a:t>
             </a:fld>
@@ -1461,7 +1461,7 @@
     </p:spTree>
     <p:extLst>
       <p:ext uri="{BB962C8B-B14F-4D97-AF65-F5344CB8AC3E}">
-        <p14:creationId xmlns:p14="http://schemas.microsoft.com/office/powerpoint/2010/main" val="272735692"/>
+        <p14:creationId xmlns:p14="http://schemas.microsoft.com/office/powerpoint/2010/main" val="2691592057"/>
       </p:ext>
     </p:extLst>
   </p:cSld>
@@ -1493,7 +1493,7 @@
           <p:cNvPr id="2" name="标题 1">
             <a:extLst>
               <a:ext uri="{FF2B5EF4-FFF2-40B4-BE49-F238E27FC236}">
-                <a16:creationId xmlns:a16="http://schemas.microsoft.com/office/drawing/2014/main" id="{673C78A7-503C-B5D1-8AE3-2B8F76A123CF}"/>
+                <a16:creationId xmlns:a16="http://schemas.microsoft.com/office/drawing/2014/main" id="{3DACCFD5-B837-407A-618E-B9B57369B17B}"/>
               </a:ext>
             </a:extLst>
           </p:cNvPr>
@@ -1526,7 +1526,7 @@
           <p:cNvPr id="3" name="文本占位符 2">
             <a:extLst>
               <a:ext uri="{FF2B5EF4-FFF2-40B4-BE49-F238E27FC236}">
-                <a16:creationId xmlns:a16="http://schemas.microsoft.com/office/drawing/2014/main" id="{13A6CF8F-8F3D-F130-4882-A86F4DB1A55F}"/>
+                <a16:creationId xmlns:a16="http://schemas.microsoft.com/office/drawing/2014/main" id="{755F4358-0BEE-28EF-8A2C-22948053936A}"/>
               </a:ext>
             </a:extLst>
           </p:cNvPr>
@@ -1597,7 +1597,7 @@
           <p:cNvPr id="4" name="内容占位符 3">
             <a:extLst>
               <a:ext uri="{FF2B5EF4-FFF2-40B4-BE49-F238E27FC236}">
-                <a16:creationId xmlns:a16="http://schemas.microsoft.com/office/drawing/2014/main" id="{7140B143-C6D3-986C-58D4-1374EDD7D770}"/>
+                <a16:creationId xmlns:a16="http://schemas.microsoft.com/office/drawing/2014/main" id="{0FBE5207-CC52-0FE7-CFA7-9BE2871FDDD1}"/>
               </a:ext>
             </a:extLst>
           </p:cNvPr>
@@ -1659,7 +1659,7 @@
           <p:cNvPr id="5" name="文本占位符 4">
             <a:extLst>
               <a:ext uri="{FF2B5EF4-FFF2-40B4-BE49-F238E27FC236}">
-                <a16:creationId xmlns:a16="http://schemas.microsoft.com/office/drawing/2014/main" id="{635962CE-B452-3F74-377C-24A21F809DE4}"/>
+                <a16:creationId xmlns:a16="http://schemas.microsoft.com/office/drawing/2014/main" id="{1CCFC77E-A216-9664-C621-C4BDE535BFC3}"/>
               </a:ext>
             </a:extLst>
           </p:cNvPr>
@@ -1730,7 +1730,7 @@
           <p:cNvPr id="6" name="内容占位符 5">
             <a:extLst>
               <a:ext uri="{FF2B5EF4-FFF2-40B4-BE49-F238E27FC236}">
-                <a16:creationId xmlns:a16="http://schemas.microsoft.com/office/drawing/2014/main" id="{4E90AE1D-B4D9-9386-FD4B-CD9AEB2CC01E}"/>
+                <a16:creationId xmlns:a16="http://schemas.microsoft.com/office/drawing/2014/main" id="{7A58FDCD-E522-21D3-4993-B046B5B99394}"/>
               </a:ext>
             </a:extLst>
           </p:cNvPr>
@@ -1792,7 +1792,7 @@
           <p:cNvPr id="7" name="日期占位符 6">
             <a:extLst>
               <a:ext uri="{FF2B5EF4-FFF2-40B4-BE49-F238E27FC236}">
-                <a16:creationId xmlns:a16="http://schemas.microsoft.com/office/drawing/2014/main" id="{8FBB5765-1158-4F76-FA65-0B089152BC22}"/>
+                <a16:creationId xmlns:a16="http://schemas.microsoft.com/office/drawing/2014/main" id="{BE6E02F6-4CC2-D3A3-BF66-7AF804A31C8A}"/>
               </a:ext>
             </a:extLst>
           </p:cNvPr>
@@ -1808,7 +1808,7 @@
           <a:bodyPr/>
           <a:lstStyle/>
           <a:p>
-            <a:fld id="{39B56632-F758-4660-9DAE-187A917134A9}" type="datetimeFigureOut">
+            <a:fld id="{645898AA-5935-4B25-9524-8DF76BD49B91}" type="datetimeFigureOut">
               <a:rPr lang="zh-CN" altLang="en-US" smtClean="0"/>
               <a:t>2024/3/10</a:t>
             </a:fld>
@@ -1821,7 +1821,7 @@
           <p:cNvPr id="8" name="页脚占位符 7">
             <a:extLst>
               <a:ext uri="{FF2B5EF4-FFF2-40B4-BE49-F238E27FC236}">
-                <a16:creationId xmlns:a16="http://schemas.microsoft.com/office/drawing/2014/main" id="{390C4469-A778-7253-27C9-C8072BB361BB}"/>
+                <a16:creationId xmlns:a16="http://schemas.microsoft.com/office/drawing/2014/main" id="{E0CF5332-286D-F4DD-9B80-F2FCD4398C38}"/>
               </a:ext>
             </a:extLst>
           </p:cNvPr>
@@ -1846,7 +1846,7 @@
           <p:cNvPr id="9" name="灯片编号占位符 8">
             <a:extLst>
               <a:ext uri="{FF2B5EF4-FFF2-40B4-BE49-F238E27FC236}">
-                <a16:creationId xmlns:a16="http://schemas.microsoft.com/office/drawing/2014/main" id="{970E8812-885A-4765-9598-74951991DEB2}"/>
+                <a16:creationId xmlns:a16="http://schemas.microsoft.com/office/drawing/2014/main" id="{847C93F7-0F94-9593-D720-74818886D556}"/>
               </a:ext>
             </a:extLst>
           </p:cNvPr>
@@ -1862,7 +1862,7 @@
           <a:bodyPr/>
           <a:lstStyle/>
           <a:p>
-            <a:fld id="{D1648288-8C69-4E2F-B3CB-0B75308530EA}" type="slidenum">
+            <a:fld id="{81DB737E-30F2-4321-9E76-E19B15A36DE4}" type="slidenum">
               <a:rPr lang="zh-CN" altLang="en-US" smtClean="0"/>
               <a:t>‹#›</a:t>
             </a:fld>
@@ -1873,7 +1873,7 @@
     </p:spTree>
     <p:extLst>
       <p:ext uri="{BB962C8B-B14F-4D97-AF65-F5344CB8AC3E}">
-        <p14:creationId xmlns:p14="http://schemas.microsoft.com/office/powerpoint/2010/main" val="2326445666"/>
+        <p14:creationId xmlns:p14="http://schemas.microsoft.com/office/powerpoint/2010/main" val="1410528331"/>
       </p:ext>
     </p:extLst>
   </p:cSld>
@@ -1905,7 +1905,7 @@
           <p:cNvPr id="2" name="标题 1">
             <a:extLst>
               <a:ext uri="{FF2B5EF4-FFF2-40B4-BE49-F238E27FC236}">
-                <a16:creationId xmlns:a16="http://schemas.microsoft.com/office/drawing/2014/main" id="{134D0EF6-9824-523D-69A3-77AE043F4D1C}"/>
+                <a16:creationId xmlns:a16="http://schemas.microsoft.com/office/drawing/2014/main" id="{2BE54FAE-1245-44D6-8D1B-440207EA6CF6}"/>
               </a:ext>
             </a:extLst>
           </p:cNvPr>
@@ -1933,7 +1933,7 @@
           <p:cNvPr id="3" name="日期占位符 2">
             <a:extLst>
               <a:ext uri="{FF2B5EF4-FFF2-40B4-BE49-F238E27FC236}">
-                <a16:creationId xmlns:a16="http://schemas.microsoft.com/office/drawing/2014/main" id="{38CF0317-3CCE-411A-19D6-04FCD3F09E94}"/>
+                <a16:creationId xmlns:a16="http://schemas.microsoft.com/office/drawing/2014/main" id="{AE453B8C-07FF-57FB-02B0-652AC119CBCD}"/>
               </a:ext>
             </a:extLst>
           </p:cNvPr>
@@ -1949,7 +1949,7 @@
           <a:bodyPr/>
           <a:lstStyle/>
           <a:p>
-            <a:fld id="{39B56632-F758-4660-9DAE-187A917134A9}" type="datetimeFigureOut">
+            <a:fld id="{645898AA-5935-4B25-9524-8DF76BD49B91}" type="datetimeFigureOut">
               <a:rPr lang="zh-CN" altLang="en-US" smtClean="0"/>
               <a:t>2024/3/10</a:t>
             </a:fld>
@@ -1962,7 +1962,7 @@
           <p:cNvPr id="4" name="页脚占位符 3">
             <a:extLst>
               <a:ext uri="{FF2B5EF4-FFF2-40B4-BE49-F238E27FC236}">
-                <a16:creationId xmlns:a16="http://schemas.microsoft.com/office/drawing/2014/main" id="{C608DE37-8570-EFFB-B32A-595596058705}"/>
+                <a16:creationId xmlns:a16="http://schemas.microsoft.com/office/drawing/2014/main" id="{1C32358B-EAEF-A09D-7B21-F4D80EBC9081}"/>
               </a:ext>
             </a:extLst>
           </p:cNvPr>
@@ -1987,7 +1987,7 @@
           <p:cNvPr id="5" name="灯片编号占位符 4">
             <a:extLst>
               <a:ext uri="{FF2B5EF4-FFF2-40B4-BE49-F238E27FC236}">
-                <a16:creationId xmlns:a16="http://schemas.microsoft.com/office/drawing/2014/main" id="{62772EEE-5CD8-1B91-29A8-CD101E89EB35}"/>
+                <a16:creationId xmlns:a16="http://schemas.microsoft.com/office/drawing/2014/main" id="{51C269E8-1791-1CD9-B5E7-1693EE1B0AC0}"/>
               </a:ext>
             </a:extLst>
           </p:cNvPr>
@@ -2003,7 +2003,7 @@
           <a:bodyPr/>
           <a:lstStyle/>
           <a:p>
-            <a:fld id="{D1648288-8C69-4E2F-B3CB-0B75308530EA}" type="slidenum">
+            <a:fld id="{81DB737E-30F2-4321-9E76-E19B15A36DE4}" type="slidenum">
               <a:rPr lang="zh-CN" altLang="en-US" smtClean="0"/>
               <a:t>‹#›</a:t>
             </a:fld>
@@ -2014,7 +2014,7 @@
     </p:spTree>
     <p:extLst>
       <p:ext uri="{BB962C8B-B14F-4D97-AF65-F5344CB8AC3E}">
-        <p14:creationId xmlns:p14="http://schemas.microsoft.com/office/powerpoint/2010/main" val="3951062955"/>
+        <p14:creationId xmlns:p14="http://schemas.microsoft.com/office/powerpoint/2010/main" val="702939743"/>
       </p:ext>
     </p:extLst>
   </p:cSld>
@@ -2046,7 +2046,7 @@
           <p:cNvPr id="2" name="日期占位符 1">
             <a:extLst>
               <a:ext uri="{FF2B5EF4-FFF2-40B4-BE49-F238E27FC236}">
-                <a16:creationId xmlns:a16="http://schemas.microsoft.com/office/drawing/2014/main" id="{16C98B3F-059C-422C-08C6-C68D39CF29EE}"/>
+                <a16:creationId xmlns:a16="http://schemas.microsoft.com/office/drawing/2014/main" id="{969BCF02-6E94-1384-BD32-6D8B8038F41F}"/>
               </a:ext>
             </a:extLst>
           </p:cNvPr>
@@ -2062,7 +2062,7 @@
           <a:bodyPr/>
           <a:lstStyle/>
           <a:p>
-            <a:fld id="{39B56632-F758-4660-9DAE-187A917134A9}" type="datetimeFigureOut">
+            <a:fld id="{645898AA-5935-4B25-9524-8DF76BD49B91}" type="datetimeFigureOut">
               <a:rPr lang="zh-CN" altLang="en-US" smtClean="0"/>
               <a:t>2024/3/10</a:t>
             </a:fld>
@@ -2075,7 +2075,7 @@
           <p:cNvPr id="3" name="页脚占位符 2">
             <a:extLst>
               <a:ext uri="{FF2B5EF4-FFF2-40B4-BE49-F238E27FC236}">
-                <a16:creationId xmlns:a16="http://schemas.microsoft.com/office/drawing/2014/main" id="{5EA7218B-BB2C-212E-9AC1-1AC7F74E10AF}"/>
+                <a16:creationId xmlns:a16="http://schemas.microsoft.com/office/drawing/2014/main" id="{0519EF5D-E28E-925E-2F36-1FB4C0272B2B}"/>
               </a:ext>
             </a:extLst>
           </p:cNvPr>
@@ -2100,7 +2100,7 @@
           <p:cNvPr id="4" name="灯片编号占位符 3">
             <a:extLst>
               <a:ext uri="{FF2B5EF4-FFF2-40B4-BE49-F238E27FC236}">
-                <a16:creationId xmlns:a16="http://schemas.microsoft.com/office/drawing/2014/main" id="{22557917-2A86-5F7B-483E-61E7F77A3FAF}"/>
+                <a16:creationId xmlns:a16="http://schemas.microsoft.com/office/drawing/2014/main" id="{D04E9734-48E7-10A5-F27D-898CAB92D571}"/>
               </a:ext>
             </a:extLst>
           </p:cNvPr>
@@ -2116,7 +2116,7 @@
           <a:bodyPr/>
           <a:lstStyle/>
           <a:p>
-            <a:fld id="{D1648288-8C69-4E2F-B3CB-0B75308530EA}" type="slidenum">
+            <a:fld id="{81DB737E-30F2-4321-9E76-E19B15A36DE4}" type="slidenum">
               <a:rPr lang="zh-CN" altLang="en-US" smtClean="0"/>
               <a:t>‹#›</a:t>
             </a:fld>
@@ -2127,7 +2127,7 @@
     </p:spTree>
     <p:extLst>
       <p:ext uri="{BB962C8B-B14F-4D97-AF65-F5344CB8AC3E}">
-        <p14:creationId xmlns:p14="http://schemas.microsoft.com/office/powerpoint/2010/main" val="2183628171"/>
+        <p14:creationId xmlns:p14="http://schemas.microsoft.com/office/powerpoint/2010/main" val="851970279"/>
       </p:ext>
     </p:extLst>
   </p:cSld>
@@ -2159,7 +2159,7 @@
           <p:cNvPr id="2" name="标题 1">
             <a:extLst>
               <a:ext uri="{FF2B5EF4-FFF2-40B4-BE49-F238E27FC236}">
-                <a16:creationId xmlns:a16="http://schemas.microsoft.com/office/drawing/2014/main" id="{305953CA-105F-40E4-DB38-AB5EB5F22731}"/>
+                <a16:creationId xmlns:a16="http://schemas.microsoft.com/office/drawing/2014/main" id="{FBFE9285-27F6-CF7D-72B1-DD3A25FC2F46}"/>
               </a:ext>
             </a:extLst>
           </p:cNvPr>
@@ -2196,7 +2196,7 @@
           <p:cNvPr id="3" name="内容占位符 2">
             <a:extLst>
               <a:ext uri="{FF2B5EF4-FFF2-40B4-BE49-F238E27FC236}">
-                <a16:creationId xmlns:a16="http://schemas.microsoft.com/office/drawing/2014/main" id="{2C07C2AF-8021-2A38-E225-1533E21D5AD2}"/>
+                <a16:creationId xmlns:a16="http://schemas.microsoft.com/office/drawing/2014/main" id="{D2510B22-9C72-D0AE-AF04-346190DB5293}"/>
               </a:ext>
             </a:extLst>
           </p:cNvPr>
@@ -2286,7 +2286,7 @@
           <p:cNvPr id="4" name="文本占位符 3">
             <a:extLst>
               <a:ext uri="{FF2B5EF4-FFF2-40B4-BE49-F238E27FC236}">
-                <a16:creationId xmlns:a16="http://schemas.microsoft.com/office/drawing/2014/main" id="{B1ED424B-F16D-EAEE-DE31-81657448F76C}"/>
+                <a16:creationId xmlns:a16="http://schemas.microsoft.com/office/drawing/2014/main" id="{5408CF45-4993-C2D4-3D3B-E16268377EF6}"/>
               </a:ext>
             </a:extLst>
           </p:cNvPr>
@@ -2357,7 +2357,7 @@
           <p:cNvPr id="5" name="日期占位符 4">
             <a:extLst>
               <a:ext uri="{FF2B5EF4-FFF2-40B4-BE49-F238E27FC236}">
-                <a16:creationId xmlns:a16="http://schemas.microsoft.com/office/drawing/2014/main" id="{2056FDAE-E2FE-E075-719D-7F8BD87BB017}"/>
+                <a16:creationId xmlns:a16="http://schemas.microsoft.com/office/drawing/2014/main" id="{ABE64841-1C37-66B9-A879-AF49B8D9C6B9}"/>
               </a:ext>
             </a:extLst>
           </p:cNvPr>
@@ -2373,7 +2373,7 @@
           <a:bodyPr/>
           <a:lstStyle/>
           <a:p>
-            <a:fld id="{39B56632-F758-4660-9DAE-187A917134A9}" type="datetimeFigureOut">
+            <a:fld id="{645898AA-5935-4B25-9524-8DF76BD49B91}" type="datetimeFigureOut">
               <a:rPr lang="zh-CN" altLang="en-US" smtClean="0"/>
               <a:t>2024/3/10</a:t>
             </a:fld>
@@ -2386,7 +2386,7 @@
           <p:cNvPr id="6" name="页脚占位符 5">
             <a:extLst>
               <a:ext uri="{FF2B5EF4-FFF2-40B4-BE49-F238E27FC236}">
-                <a16:creationId xmlns:a16="http://schemas.microsoft.com/office/drawing/2014/main" id="{A29250BD-59E7-445A-DCA3-20FBD2A2632B}"/>
+                <a16:creationId xmlns:a16="http://schemas.microsoft.com/office/drawing/2014/main" id="{70BADA18-CD73-EC02-868A-580AF0E7B86C}"/>
               </a:ext>
             </a:extLst>
           </p:cNvPr>
@@ -2411,7 +2411,7 @@
           <p:cNvPr id="7" name="灯片编号占位符 6">
             <a:extLst>
               <a:ext uri="{FF2B5EF4-FFF2-40B4-BE49-F238E27FC236}">
-                <a16:creationId xmlns:a16="http://schemas.microsoft.com/office/drawing/2014/main" id="{94EFAB35-09B7-C403-6F57-87F2F11B30BA}"/>
+                <a16:creationId xmlns:a16="http://schemas.microsoft.com/office/drawing/2014/main" id="{BE1414E6-F221-95F2-FEB7-BC18F6249DBB}"/>
               </a:ext>
             </a:extLst>
           </p:cNvPr>
@@ -2427,7 +2427,7 @@
           <a:bodyPr/>
           <a:lstStyle/>
           <a:p>
-            <a:fld id="{D1648288-8C69-4E2F-B3CB-0B75308530EA}" type="slidenum">
+            <a:fld id="{81DB737E-30F2-4321-9E76-E19B15A36DE4}" type="slidenum">
               <a:rPr lang="zh-CN" altLang="en-US" smtClean="0"/>
               <a:t>‹#›</a:t>
             </a:fld>
@@ -2438,7 +2438,7 @@
     </p:spTree>
     <p:extLst>
       <p:ext uri="{BB962C8B-B14F-4D97-AF65-F5344CB8AC3E}">
-        <p14:creationId xmlns:p14="http://schemas.microsoft.com/office/powerpoint/2010/main" val="2085797721"/>
+        <p14:creationId xmlns:p14="http://schemas.microsoft.com/office/powerpoint/2010/main" val="443090325"/>
       </p:ext>
     </p:extLst>
   </p:cSld>
@@ -2470,7 +2470,7 @@
           <p:cNvPr id="2" name="标题 1">
             <a:extLst>
               <a:ext uri="{FF2B5EF4-FFF2-40B4-BE49-F238E27FC236}">
-                <a16:creationId xmlns:a16="http://schemas.microsoft.com/office/drawing/2014/main" id="{9471CCE3-33D9-A365-F6FD-915CBAADF2D2}"/>
+                <a16:creationId xmlns:a16="http://schemas.microsoft.com/office/drawing/2014/main" id="{8B0FD9C5-E2FD-FBBA-EC7B-70E6787A594E}"/>
               </a:ext>
             </a:extLst>
           </p:cNvPr>
@@ -2507,7 +2507,7 @@
           <p:cNvPr id="3" name="图片占位符 2">
             <a:extLst>
               <a:ext uri="{FF2B5EF4-FFF2-40B4-BE49-F238E27FC236}">
-                <a16:creationId xmlns:a16="http://schemas.microsoft.com/office/drawing/2014/main" id="{C748AA1A-BD15-F0E5-29AF-6B5E3DE68924}"/>
+                <a16:creationId xmlns:a16="http://schemas.microsoft.com/office/drawing/2014/main" id="{E74D550B-D8BA-1680-A753-360B1989E977}"/>
               </a:ext>
             </a:extLst>
           </p:cNvPr>
@@ -2574,7 +2574,7 @@
           <p:cNvPr id="4" name="文本占位符 3">
             <a:extLst>
               <a:ext uri="{FF2B5EF4-FFF2-40B4-BE49-F238E27FC236}">
-                <a16:creationId xmlns:a16="http://schemas.microsoft.com/office/drawing/2014/main" id="{A4FF12FB-156D-78BA-AEE4-1590C5D0D70B}"/>
+                <a16:creationId xmlns:a16="http://schemas.microsoft.com/office/drawing/2014/main" id="{736C3A7D-3405-9E63-A878-E449BEEF9846}"/>
               </a:ext>
             </a:extLst>
           </p:cNvPr>
@@ -2645,7 +2645,7 @@
           <p:cNvPr id="5" name="日期占位符 4">
             <a:extLst>
               <a:ext uri="{FF2B5EF4-FFF2-40B4-BE49-F238E27FC236}">
-                <a16:creationId xmlns:a16="http://schemas.microsoft.com/office/drawing/2014/main" id="{DB48C774-D649-DF7D-E244-608B24E5F148}"/>
+                <a16:creationId xmlns:a16="http://schemas.microsoft.com/office/drawing/2014/main" id="{6AA7FDBA-848D-5B6C-DC8B-13DF333EDD16}"/>
               </a:ext>
             </a:extLst>
           </p:cNvPr>
@@ -2661,7 +2661,7 @@
           <a:bodyPr/>
           <a:lstStyle/>
           <a:p>
-            <a:fld id="{39B56632-F758-4660-9DAE-187A917134A9}" type="datetimeFigureOut">
+            <a:fld id="{645898AA-5935-4B25-9524-8DF76BD49B91}" type="datetimeFigureOut">
               <a:rPr lang="zh-CN" altLang="en-US" smtClean="0"/>
               <a:t>2024/3/10</a:t>
             </a:fld>
@@ -2674,7 +2674,7 @@
           <p:cNvPr id="6" name="页脚占位符 5">
             <a:extLst>
               <a:ext uri="{FF2B5EF4-FFF2-40B4-BE49-F238E27FC236}">
-                <a16:creationId xmlns:a16="http://schemas.microsoft.com/office/drawing/2014/main" id="{6F140DF4-5414-4791-74E9-4998C23F167C}"/>
+                <a16:creationId xmlns:a16="http://schemas.microsoft.com/office/drawing/2014/main" id="{40FC21EA-1046-8C9B-1D3C-E9A7BF3BE7FE}"/>
               </a:ext>
             </a:extLst>
           </p:cNvPr>
@@ -2699,7 +2699,7 @@
           <p:cNvPr id="7" name="灯片编号占位符 6">
             <a:extLst>
               <a:ext uri="{FF2B5EF4-FFF2-40B4-BE49-F238E27FC236}">
-                <a16:creationId xmlns:a16="http://schemas.microsoft.com/office/drawing/2014/main" id="{5B257377-3E74-C3E4-D069-E71E8A4F0F28}"/>
+                <a16:creationId xmlns:a16="http://schemas.microsoft.com/office/drawing/2014/main" id="{7B074A93-DC2E-3626-E3AB-0FABACE11642}"/>
               </a:ext>
             </a:extLst>
           </p:cNvPr>
@@ -2715,7 +2715,7 @@
           <a:bodyPr/>
           <a:lstStyle/>
           <a:p>
-            <a:fld id="{D1648288-8C69-4E2F-B3CB-0B75308530EA}" type="slidenum">
+            <a:fld id="{81DB737E-30F2-4321-9E76-E19B15A36DE4}" type="slidenum">
               <a:rPr lang="zh-CN" altLang="en-US" smtClean="0"/>
               <a:t>‹#›</a:t>
             </a:fld>
@@ -2726,7 +2726,7 @@
     </p:spTree>
     <p:extLst>
       <p:ext uri="{BB962C8B-B14F-4D97-AF65-F5344CB8AC3E}">
-        <p14:creationId xmlns:p14="http://schemas.microsoft.com/office/powerpoint/2010/main" val="588731080"/>
+        <p14:creationId xmlns:p14="http://schemas.microsoft.com/office/powerpoint/2010/main" val="4082468560"/>
       </p:ext>
     </p:extLst>
   </p:cSld>
@@ -2763,7 +2763,7 @@
           <p:cNvPr id="2" name="标题占位符 1">
             <a:extLst>
               <a:ext uri="{FF2B5EF4-FFF2-40B4-BE49-F238E27FC236}">
-                <a16:creationId xmlns:a16="http://schemas.microsoft.com/office/drawing/2014/main" id="{20DB561D-0CD1-3429-36EC-024775A195F9}"/>
+                <a16:creationId xmlns:a16="http://schemas.microsoft.com/office/drawing/2014/main" id="{1FE10523-8605-2338-3186-38952E3FF293}"/>
               </a:ext>
             </a:extLst>
           </p:cNvPr>
@@ -2801,7 +2801,7 @@
           <p:cNvPr id="3" name="文本占位符 2">
             <a:extLst>
               <a:ext uri="{FF2B5EF4-FFF2-40B4-BE49-F238E27FC236}">
-                <a16:creationId xmlns:a16="http://schemas.microsoft.com/office/drawing/2014/main" id="{401F124D-C7F2-2BD6-D60C-CFD2ACC06364}"/>
+                <a16:creationId xmlns:a16="http://schemas.microsoft.com/office/drawing/2014/main" id="{0163A928-3DA0-41DC-C558-C0537986FD57}"/>
               </a:ext>
             </a:extLst>
           </p:cNvPr>
@@ -2868,7 +2868,7 @@
           <p:cNvPr id="4" name="日期占位符 3">
             <a:extLst>
               <a:ext uri="{FF2B5EF4-FFF2-40B4-BE49-F238E27FC236}">
-                <a16:creationId xmlns:a16="http://schemas.microsoft.com/office/drawing/2014/main" id="{775E3A1F-599C-01A5-4E65-514ACB43478A}"/>
+                <a16:creationId xmlns:a16="http://schemas.microsoft.com/office/drawing/2014/main" id="{C0C5BA86-B442-6D84-0E00-380F9A4D0879}"/>
               </a:ext>
             </a:extLst>
           </p:cNvPr>
@@ -2902,7 +2902,7 @@
             </a:lvl1pPr>
           </a:lstStyle>
           <a:p>
-            <a:fld id="{39B56632-F758-4660-9DAE-187A917134A9}" type="datetimeFigureOut">
+            <a:fld id="{645898AA-5935-4B25-9524-8DF76BD49B91}" type="datetimeFigureOut">
               <a:rPr lang="zh-CN" altLang="en-US" smtClean="0"/>
               <a:t>2024/3/10</a:t>
             </a:fld>
@@ -2915,7 +2915,7 @@
           <p:cNvPr id="5" name="页脚占位符 4">
             <a:extLst>
               <a:ext uri="{FF2B5EF4-FFF2-40B4-BE49-F238E27FC236}">
-                <a16:creationId xmlns:a16="http://schemas.microsoft.com/office/drawing/2014/main" id="{6010C286-6C4D-1219-06B1-C621A6F928C7}"/>
+                <a16:creationId xmlns:a16="http://schemas.microsoft.com/office/drawing/2014/main" id="{2132537A-D2D0-2423-3D12-11C30B9AC4F1}"/>
               </a:ext>
             </a:extLst>
           </p:cNvPr>
@@ -2958,7 +2958,7 @@
           <p:cNvPr id="6" name="灯片编号占位符 5">
             <a:extLst>
               <a:ext uri="{FF2B5EF4-FFF2-40B4-BE49-F238E27FC236}">
-                <a16:creationId xmlns:a16="http://schemas.microsoft.com/office/drawing/2014/main" id="{49AA67E7-DF02-651A-1123-8CEB3B9EBB7B}"/>
+                <a16:creationId xmlns:a16="http://schemas.microsoft.com/office/drawing/2014/main" id="{C6204717-525A-0F07-EC83-094DF44D13DF}"/>
               </a:ext>
             </a:extLst>
           </p:cNvPr>
@@ -2992,7 +2992,7 @@
             </a:lvl1pPr>
           </a:lstStyle>
           <a:p>
-            <a:fld id="{D1648288-8C69-4E2F-B3CB-0B75308530EA}" type="slidenum">
+            <a:fld id="{81DB737E-30F2-4321-9E76-E19B15A36DE4}" type="slidenum">
               <a:rPr lang="zh-CN" altLang="en-US" smtClean="0"/>
               <a:t>‹#›</a:t>
             </a:fld>
@@ -3003,7 +3003,7 @@
     </p:spTree>
     <p:extLst>
       <p:ext uri="{BB962C8B-B14F-4D97-AF65-F5344CB8AC3E}">
-        <p14:creationId xmlns:p14="http://schemas.microsoft.com/office/powerpoint/2010/main" val="1282928742"/>
+        <p14:creationId xmlns:p14="http://schemas.microsoft.com/office/powerpoint/2010/main" val="1699823644"/>
       </p:ext>
     </p:extLst>
   </p:cSld>
